--- a/presentation/RootedCON/OSINT_RootedCON_pt_Portugal_Edition.pptx
+++ b/presentation/RootedCON/OSINT_RootedCON_pt_Portugal_Edition.pptx
@@ -6276,7 +6276,10 @@
           <a:bodyPr/>
           <a:lstStyle/>
           <a:p>
-            <a:endParaRPr lang="pt-PT" dirty="0"/>
+            <a:r>
+              <a:rPr lang="pt-PT" dirty="0"/>
+              <a:t>https://raw.githubusercontent.com/pedroaovieira/osint/main/presentation/IMG_20190223_163027.jpg</a:t>
+            </a:r>
           </a:p>
         </p:txBody>
       </p:sp>
@@ -14162,7 +14165,7 @@
         </p:nvGrpSpPr>
         <p:grpSpPr>
           <a:xfrm>
-            <a:off x="3768524" y="2192040"/>
+            <a:off x="3711374" y="2443963"/>
             <a:ext cx="6130287" cy="3706756"/>
             <a:chOff x="4710311" y="2097144"/>
             <a:chExt cx="7481689" cy="3968693"/>
@@ -15001,7 +15004,7 @@
           <a:p>
             <a:r>
               <a:rPr lang="pt-PT" dirty="0"/>
-              <a:t>Google “Improved Search” (</a:t>
+              <a:t>Google “Improved Search” + empresa (</a:t>
             </a:r>
             <a:r>
               <a:rPr lang="pt-PT" dirty="0">
@@ -15194,7 +15197,7 @@
         </p:nvSpPr>
         <p:spPr>
           <a:xfrm>
-            <a:off x="4493443" y="3446871"/>
+            <a:off x="5603374" y="3429000"/>
             <a:ext cx="348342" cy="174172"/>
           </a:xfrm>
           <a:prstGeom prst="rightArrow">

--- a/presentation/RootedCON/OSINT_RootedCON_pt_Portugal_Edition.pptx
+++ b/presentation/RootedCON/OSINT_RootedCON_pt_Portugal_Edition.pptx
@@ -11385,7 +11385,7 @@
         <p:spPr>
           <a:xfrm>
             <a:off x="697876" y="5423757"/>
-            <a:ext cx="9162561" cy="546756"/>
+            <a:ext cx="8455649" cy="546756"/>
           </a:xfrm>
           <a:prstGeom prst="rect">
             <a:avLst/>
@@ -11637,6 +11637,36 @@
           </a:p>
         </p:txBody>
       </p:sp>
+      <p:pic>
+        <p:nvPicPr>
+          <p:cNvPr id="3" name="Picture 2">
+            <a:extLst>
+              <a:ext uri="{FF2B5EF4-FFF2-40B4-BE49-F238E27FC236}">
+                <a16:creationId xmlns:a16="http://schemas.microsoft.com/office/drawing/2014/main" id="{840EF8BE-CFB6-9865-1642-FB5AB9493151}"/>
+              </a:ext>
+            </a:extLst>
+          </p:cNvPr>
+          <p:cNvPicPr>
+            <a:picLocks noChangeAspect="1"/>
+          </p:cNvPicPr>
+          <p:nvPr/>
+        </p:nvPicPr>
+        <p:blipFill>
+          <a:blip r:embed="rId2"/>
+          <a:stretch>
+            <a:fillRect/>
+          </a:stretch>
+        </p:blipFill>
+        <p:spPr>
+          <a:xfrm>
+            <a:off x="9667523" y="4333523"/>
+            <a:ext cx="2524477" cy="2524477"/>
+          </a:xfrm>
+          <a:prstGeom prst="rect">
+            <a:avLst/>
+          </a:prstGeom>
+        </p:spPr>
+      </p:pic>
     </p:spTree>
     <p:extLst>
       <p:ext uri="{BB962C8B-B14F-4D97-AF65-F5344CB8AC3E}">
@@ -12161,7 +12191,7 @@
             <a:pPr lvl="1"/>
             <a:r>
               <a:rPr lang="pt-PT" dirty="0"/>
-              <a:t>Wayback example (</a:t>
+              <a:t>World Imagery Wayback example (</a:t>
             </a:r>
             <a:r>
               <a:rPr lang="pt-PT" dirty="0">
@@ -12290,7 +12320,7 @@
         </p:nvSpPr>
         <p:spPr>
           <a:xfrm>
-            <a:off x="3780860" y="5021204"/>
+            <a:off x="5104835" y="5011679"/>
             <a:ext cx="348342" cy="174172"/>
           </a:xfrm>
           <a:prstGeom prst="rightArrow">
@@ -19615,52 +19645,6 @@
           </a:p>
         </p:txBody>
       </p:sp>
-      <p:sp>
-        <p:nvSpPr>
-          <p:cNvPr id="4" name="Arrow: Right 3">
-            <a:extLst>
-              <a:ext uri="{FF2B5EF4-FFF2-40B4-BE49-F238E27FC236}">
-                <a16:creationId xmlns:a16="http://schemas.microsoft.com/office/drawing/2014/main" id="{569D45AA-ADC4-E094-4E7C-D6BBEE53875F}"/>
-              </a:ext>
-            </a:extLst>
-          </p:cNvPr>
-          <p:cNvSpPr/>
-          <p:nvPr/>
-        </p:nvSpPr>
-        <p:spPr>
-          <a:xfrm>
-            <a:off x="5423840" y="3641596"/>
-            <a:ext cx="348342" cy="174172"/>
-          </a:xfrm>
-          <a:prstGeom prst="rightArrow">
-            <a:avLst/>
-          </a:prstGeom>
-        </p:spPr>
-        <p:style>
-          <a:lnRef idx="2">
-            <a:schemeClr val="accent1">
-              <a:shade val="50000"/>
-            </a:schemeClr>
-          </a:lnRef>
-          <a:fillRef idx="1">
-            <a:schemeClr val="accent1"/>
-          </a:fillRef>
-          <a:effectRef idx="0">
-            <a:schemeClr val="accent1"/>
-          </a:effectRef>
-          <a:fontRef idx="minor">
-            <a:schemeClr val="lt1"/>
-          </a:fontRef>
-        </p:style>
-        <p:txBody>
-          <a:bodyPr rtlCol="0" anchor="ctr"/>
-          <a:lstStyle/>
-          <a:p>
-            <a:pPr algn="ctr"/>
-            <a:endParaRPr lang="en-US" dirty="0"/>
-          </a:p>
-        </p:txBody>
-      </p:sp>
     </p:spTree>
     <p:extLst>
       <p:ext uri="{BB962C8B-B14F-4D97-AF65-F5344CB8AC3E}">
@@ -19707,14 +19691,14 @@
             <p:ph idx="1"/>
             <p:extLst>
               <p:ext uri="{D42A27DB-BD31-4B8C-83A1-F6EECF244321}">
-                <p14:modId xmlns:p14="http://schemas.microsoft.com/office/powerpoint/2010/main" val="2675797827"/>
+                <p14:modId xmlns:p14="http://schemas.microsoft.com/office/powerpoint/2010/main" val="716010257"/>
               </p:ext>
             </p:extLst>
           </p:nvPr>
         </p:nvGraphicFramePr>
         <p:xfrm>
           <a:off x="666750" y="1587381"/>
-          <a:ext cx="10174288" cy="3407892"/>
+          <a:ext cx="10174288" cy="3773652"/>
         </p:xfrm>
         <a:graphic>
           <a:graphicData uri="http://schemas.openxmlformats.org/drawingml/2006/table">
@@ -19872,7 +19856,7 @@
                           <a:ea typeface="+mn-ea"/>
                           <a:cs typeface="+mn-cs"/>
                         </a:rPr>
-                        <a:t>"Luís Filipe Montenegro Cardoso de Morais Esteves"</a:t>
+                        <a:t>“Luís Filipe Montenegro Cardoso de Morais Esteves”</a:t>
                       </a:r>
                     </a:p>
                     <a:p>
@@ -19902,11 +19886,41 @@
                           <a:ea typeface="+mn-ea"/>
                           <a:cs typeface="+mn-cs"/>
                         </a:rPr>
-                        <a:t>"Pedro António Oliveira Vieira“</a:t>
+                        <a:t>“Pedro António Oliveira Vieira”</a:t>
                       </a:r>
                     </a:p>
                     <a:p>
                       <a:pPr marL="742950" marR="0" lvl="1" indent="-285750" algn="l" defTabSz="457200" rtl="0" eaLnBrk="1" fontAlgn="auto" latinLnBrk="0" hangingPunct="1">
+                        <a:lnSpc>
+                          <a:spcPct val="150000"/>
+                        </a:lnSpc>
+                        <a:spcBef>
+                          <a:spcPts val="0"/>
+                        </a:spcBef>
+                        <a:spcAft>
+                          <a:spcPts val="0"/>
+                        </a:spcAft>
+                        <a:buClrTx/>
+                        <a:buSzTx/>
+                        <a:buFont typeface="Arial" panose="020B0604020202020204" pitchFamily="34" charset="0"/>
+                        <a:buChar char="•"/>
+                        <a:tabLst/>
+                        <a:defRPr/>
+                      </a:pPr>
+                      <a:r>
+                        <a:rPr lang="pt-PT" sz="1600" kern="1200" noProof="0" dirty="0">
+                          <a:solidFill>
+                            <a:schemeClr val="dk1"/>
+                          </a:solidFill>
+                          <a:latin typeface="+mn-lt"/>
+                          <a:ea typeface="+mn-ea"/>
+                          <a:cs typeface="+mn-cs"/>
+                        </a:rPr>
+                        <a:t>Pesquisar por número/ano do despacho</a:t>
+                      </a:r>
+                    </a:p>
+                    <a:p>
+                      <a:pPr marL="1200150" marR="0" lvl="2" indent="-285750" algn="l" defTabSz="457200" rtl="0" eaLnBrk="1" fontAlgn="auto" latinLnBrk="0" hangingPunct="1">
                         <a:lnSpc>
                           <a:spcPct val="150000"/>
                         </a:lnSpc>
@@ -20327,7 +20341,7 @@
         </p:nvSpPr>
         <p:spPr>
           <a:xfrm>
-            <a:off x="8181832" y="2567614"/>
+            <a:off x="6353032" y="2894544"/>
             <a:ext cx="348342" cy="174172"/>
           </a:xfrm>
           <a:prstGeom prst="rightArrow">
@@ -23097,7 +23111,7 @@
             <p:ph idx="1"/>
             <p:extLst>
               <p:ext uri="{D42A27DB-BD31-4B8C-83A1-F6EECF244321}">
-                <p14:modId xmlns:p14="http://schemas.microsoft.com/office/powerpoint/2010/main" val="3091409197"/>
+                <p14:modId xmlns:p14="http://schemas.microsoft.com/office/powerpoint/2010/main" val="1183306562"/>
               </p:ext>
             </p:extLst>
           </p:nvPr>
@@ -23991,7 +24005,7 @@
             <p:ph idx="1"/>
             <p:extLst>
               <p:ext uri="{D42A27DB-BD31-4B8C-83A1-F6EECF244321}">
-                <p14:modId xmlns:p14="http://schemas.microsoft.com/office/powerpoint/2010/main" val="630643593"/>
+                <p14:modId xmlns:p14="http://schemas.microsoft.com/office/powerpoint/2010/main" val="1618249644"/>
               </p:ext>
             </p:extLst>
           </p:nvPr>
@@ -25384,7 +25398,53 @@
         </p:nvSpPr>
         <p:spPr>
           <a:xfrm>
-            <a:off x="3974592" y="4611912"/>
+            <a:off x="7032117" y="6069237"/>
+            <a:ext cx="348342" cy="174172"/>
+          </a:xfrm>
+          <a:prstGeom prst="rightArrow">
+            <a:avLst/>
+          </a:prstGeom>
+        </p:spPr>
+        <p:style>
+          <a:lnRef idx="2">
+            <a:schemeClr val="accent1">
+              <a:shade val="50000"/>
+            </a:schemeClr>
+          </a:lnRef>
+          <a:fillRef idx="1">
+            <a:schemeClr val="accent1"/>
+          </a:fillRef>
+          <a:effectRef idx="0">
+            <a:schemeClr val="accent1"/>
+          </a:effectRef>
+          <a:fontRef idx="minor">
+            <a:schemeClr val="lt1"/>
+          </a:fontRef>
+        </p:style>
+        <p:txBody>
+          <a:bodyPr rtlCol="0" anchor="ctr"/>
+          <a:lstStyle/>
+          <a:p>
+            <a:pPr algn="ctr"/>
+            <a:endParaRPr lang="en-US" dirty="0"/>
+          </a:p>
+        </p:txBody>
+      </p:sp>
+      <p:sp>
+        <p:nvSpPr>
+          <p:cNvPr id="6" name="Arrow: Right 5">
+            <a:extLst>
+              <a:ext uri="{FF2B5EF4-FFF2-40B4-BE49-F238E27FC236}">
+                <a16:creationId xmlns:a16="http://schemas.microsoft.com/office/drawing/2014/main" id="{1347853C-E78E-61BE-4A80-3D818AD0E695}"/>
+              </a:ext>
+            </a:extLst>
+          </p:cNvPr>
+          <p:cNvSpPr/>
+          <p:nvPr/>
+        </p:nvSpPr>
+        <p:spPr>
+          <a:xfrm>
+            <a:off x="3279267" y="2568515"/>
             <a:ext cx="348342" cy="174172"/>
           </a:xfrm>
           <a:prstGeom prst="rightArrow">
@@ -30531,8 +30591,16 @@
           </a:p>
           <a:p>
             <a:r>
+              <a:rPr lang="en-US" sz="1600" b="1" u="sng" dirty="0"/>
+              <a:t>Sofia Santos</a:t>
+            </a:r>
+            <a:r>
+              <a:rPr lang="en-US" sz="1600" b="1" dirty="0"/>
+              <a:t> </a:t>
+            </a:r>
+            <a:r>
               <a:rPr lang="en-US" sz="1600" dirty="0"/>
-              <a:t>Sofia Santos - How to do a small OSINT investigation (</a:t>
+              <a:t>– Awesome tutorials and exercises (</a:t>
             </a:r>
             <a:r>
               <a:rPr lang="en-US" sz="1600" dirty="0">
@@ -30548,7 +30616,7 @@
               <a:rPr lang="en-US" sz="1600" dirty="0">
                 <a:hlinkClick r:id="rId6"/>
               </a:rPr>
-              <a:t>video</a:t>
+              <a:t>videos</a:t>
             </a:r>
             <a:r>
               <a:rPr lang="en-US" sz="1600" dirty="0"/>
@@ -30694,27 +30762,11 @@
           <a:p>
             <a:r>
               <a:rPr lang="en-US" sz="1600" dirty="0"/>
-              <a:t>Technisette (</a:t>
+              <a:t>Open-Source Intelligence Tools and Resources Handbook 2020 (</a:t>
             </a:r>
             <a:r>
               <a:rPr lang="en-US" sz="1600" dirty="0">
                 <a:hlinkClick r:id="rId17"/>
-              </a:rPr>
-              <a:t>link</a:t>
-            </a:r>
-            <a:r>
-              <a:rPr lang="en-US" sz="1600" dirty="0"/>
-              <a:t>)</a:t>
-            </a:r>
-          </a:p>
-          <a:p>
-            <a:r>
-              <a:rPr lang="en-US" sz="1600" dirty="0"/>
-              <a:t>Open-Source Intelligence Tools and Resources Handbook 2020 (</a:t>
-            </a:r>
-            <a:r>
-              <a:rPr lang="en-US" sz="1600" dirty="0">
-                <a:hlinkClick r:id="rId18"/>
               </a:rPr>
               <a:t>link</a:t>
             </a:r>
@@ -30997,40 +31049,42 @@
           </a:p>
           <a:p>
             <a:r>
-              <a:rPr lang="sv-SE" cap="none" dirty="0"/>
-              <a:t>Cyber Detective CTF (</a:t>
-            </a:r>
-            <a:r>
-              <a:rPr lang="sv-SE" cap="none" dirty="0">
+              <a:rPr lang="sv-SE" dirty="0"/>
+              <a:t>Sofia Santos Exercises (</a:t>
+            </a:r>
+            <a:r>
+              <a:rPr lang="sv-SE" dirty="0">
                 <a:hlinkClick r:id="rId6"/>
               </a:rPr>
               <a:t>link</a:t>
             </a:r>
             <a:r>
-              <a:rPr lang="sv-SE" cap="none" dirty="0"/>
+              <a:rPr lang="sv-SE" dirty="0"/>
               <a:t>)</a:t>
             </a:r>
-          </a:p>
-          <a:p>
-            <a:r>
-              <a:rPr lang="sv-SE" cap="none" dirty="0"/>
-              <a:t>Cyber Investigator CTF (</a:t>
-            </a:r>
-            <a:r>
-              <a:rPr lang="sv-SE" cap="none" dirty="0">
+            <a:endParaRPr lang="sv-SE" cap="none" dirty="0"/>
+          </a:p>
+          <a:p>
+            <a:r>
+              <a:rPr lang="sv-SE" dirty="0"/>
+              <a:t>TryHackMe (</a:t>
+            </a:r>
+            <a:r>
+              <a:rPr lang="sv-SE" dirty="0">
                 <a:hlinkClick r:id="rId7"/>
               </a:rPr>
               <a:t>link</a:t>
             </a:r>
             <a:r>
-              <a:rPr lang="sv-SE" cap="none" dirty="0"/>
+              <a:rPr lang="sv-SE" dirty="0"/>
               <a:t>)</a:t>
             </a:r>
           </a:p>
           <a:p>
+            <a:pPr lvl="1"/>
             <a:r>
               <a:rPr lang="sv-SE" dirty="0"/>
-              <a:t>TryHackMe (</a:t>
+              <a:t>Search for OSINT (</a:t>
             </a:r>
             <a:r>
               <a:rPr lang="sv-SE" dirty="0">
@@ -31040,48 +31094,31 @@
             </a:r>
             <a:r>
               <a:rPr lang="sv-SE" dirty="0"/>
-              <a:t>)</a:t>
-            </a:r>
-          </a:p>
-          <a:p>
-            <a:pPr lvl="1"/>
-            <a:r>
-              <a:rPr lang="sv-SE" dirty="0"/>
-              <a:t>Search for OSINT (</a:t>
+              <a:t>) (</a:t>
             </a:r>
             <a:r>
               <a:rPr lang="sv-SE" dirty="0">
                 <a:hlinkClick r:id="rId9"/>
               </a:rPr>
-              <a:t>link</a:t>
+              <a:t>notes</a:t>
             </a:r>
             <a:r>
               <a:rPr lang="sv-SE" dirty="0"/>
-              <a:t>) (</a:t>
+              <a:t>)</a:t>
+            </a:r>
+          </a:p>
+          <a:p>
+            <a:r>
+              <a:rPr lang="en-US" dirty="0"/>
+              <a:t>Blue Team Labs Online - Cyber Range</a:t>
+            </a:r>
+            <a:r>
+              <a:rPr lang="sv-SE" dirty="0"/>
+              <a:t> (</a:t>
             </a:r>
             <a:r>
               <a:rPr lang="sv-SE" dirty="0">
                 <a:hlinkClick r:id="rId10"/>
-              </a:rPr>
-              <a:t>notes</a:t>
-            </a:r>
-            <a:r>
-              <a:rPr lang="sv-SE" dirty="0"/>
-              <a:t>)</a:t>
-            </a:r>
-          </a:p>
-          <a:p>
-            <a:r>
-              <a:rPr lang="en-US" dirty="0"/>
-              <a:t>Blue Team Labs Online - Cyber Range</a:t>
-            </a:r>
-            <a:r>
-              <a:rPr lang="sv-SE" dirty="0"/>
-              <a:t> (</a:t>
-            </a:r>
-            <a:r>
-              <a:rPr lang="sv-SE" dirty="0">
-                <a:hlinkClick r:id="rId11"/>
               </a:rPr>
               <a:t>link</a:t>
             </a:r>
@@ -31386,7 +31423,7 @@
           <a:p>
             <a:r>
               <a:rPr lang="pt-PT" sz="1700" dirty="0"/>
-              <a:t>Technisette (</a:t>
+              <a:t>Cyber Detective (</a:t>
             </a:r>
             <a:r>
               <a:rPr lang="pt-PT" sz="1700" dirty="0">
@@ -31401,44 +31438,16 @@
           </a:p>
           <a:p>
             <a:r>
+              <a:rPr lang="pt-PT" sz="1700"/>
+              <a:t>Aware </a:t>
+            </a:r>
+            <a:r>
               <a:rPr lang="pt-PT" sz="1700" dirty="0"/>
-              <a:t>Cyber Detective (</a:t>
+              <a:t>Online (</a:t>
             </a:r>
             <a:r>
               <a:rPr lang="pt-PT" sz="1700" dirty="0">
                 <a:hlinkClick r:id="rId7"/>
-              </a:rPr>
-              <a:t>link</a:t>
-            </a:r>
-            <a:r>
-              <a:rPr lang="pt-PT" sz="1700" dirty="0"/>
-              <a:t>)</a:t>
-            </a:r>
-          </a:p>
-          <a:p>
-            <a:r>
-              <a:rPr lang="pt-PT" sz="1700" dirty="0"/>
-              <a:t>OSINT Link (</a:t>
-            </a:r>
-            <a:r>
-              <a:rPr lang="pt-PT" sz="1700" dirty="0">
-                <a:hlinkClick r:id="rId8"/>
-              </a:rPr>
-              <a:t>link</a:t>
-            </a:r>
-            <a:r>
-              <a:rPr lang="pt-PT" sz="1700" dirty="0"/>
-              <a:t>)</a:t>
-            </a:r>
-          </a:p>
-          <a:p>
-            <a:r>
-              <a:rPr lang="pt-PT" sz="1700" dirty="0"/>
-              <a:t>Aware Online (</a:t>
-            </a:r>
-            <a:r>
-              <a:rPr lang="pt-PT" sz="1700" dirty="0">
-                <a:hlinkClick r:id="rId9"/>
               </a:rPr>
               <a:t>link</a:t>
             </a:r>
@@ -31760,6 +31769,36 @@
           </a:p>
         </p:txBody>
       </p:sp>
+      <p:pic>
+        <p:nvPicPr>
+          <p:cNvPr id="6" name="Picture 5">
+            <a:extLst>
+              <a:ext uri="{FF2B5EF4-FFF2-40B4-BE49-F238E27FC236}">
+                <a16:creationId xmlns:a16="http://schemas.microsoft.com/office/drawing/2014/main" id="{C4835EC7-4A7C-DD20-F8A5-D6218E773FEE}"/>
+              </a:ext>
+            </a:extLst>
+          </p:cNvPr>
+          <p:cNvPicPr>
+            <a:picLocks noChangeAspect="1"/>
+          </p:cNvPicPr>
+          <p:nvPr/>
+        </p:nvPicPr>
+        <p:blipFill>
+          <a:blip r:embed="rId2"/>
+          <a:stretch>
+            <a:fillRect/>
+          </a:stretch>
+        </p:blipFill>
+        <p:spPr>
+          <a:xfrm>
+            <a:off x="9086850" y="3752850"/>
+            <a:ext cx="3105150" cy="3105150"/>
+          </a:xfrm>
+          <a:prstGeom prst="rect">
+            <a:avLst/>
+          </a:prstGeom>
+        </p:spPr>
+      </p:pic>
     </p:spTree>
     <p:extLst>
       <p:ext uri="{BB962C8B-B14F-4D97-AF65-F5344CB8AC3E}">
